--- a/Research Design & Proposal Writting/Assignment 1/assign-1.pptx
+++ b/Research Design & Proposal Writting/Assignment 1/assign-1.pptx
@@ -522,7 +522,7 @@
           <a:p>
             <a:fld id="{83284890-85D2-4D7B-8EF5-15A9C1DB8F42}" type="datetimeFigureOut">
               <a:rPr lang="en-US" dirty="0"/>
-              <a:t>10/24/2021</a:t>
+              <a:t>10/26/2021</a:t>
             </a:fld>
             <a:endParaRPr lang="en-US" dirty="0"/>
           </a:p>
@@ -697,7 +697,7 @@
           <a:p>
             <a:fld id="{87157CC2-0FC8-4686-B024-99790E0F5162}" type="datetimeFigureOut">
               <a:rPr lang="en-US" dirty="0"/>
-              <a:t>10/24/2021</a:t>
+              <a:t>10/26/2021</a:t>
             </a:fld>
             <a:endParaRPr lang="en-US" dirty="0"/>
           </a:p>
@@ -872,7 +872,7 @@
           <a:p>
             <a:fld id="{F6764DA5-CD3D-4590-A511-FCD3BC7A793E}" type="datetimeFigureOut">
               <a:rPr lang="en-US" dirty="0"/>
-              <a:t>10/24/2021</a:t>
+              <a:t>10/26/2021</a:t>
             </a:fld>
             <a:endParaRPr lang="en-US" dirty="0"/>
           </a:p>
@@ -1037,7 +1037,7 @@
           <a:p>
             <a:fld id="{82F5661D-6934-4B32-B92C-470368BF1EC6}" type="datetimeFigureOut">
               <a:rPr lang="en-US" dirty="0"/>
-              <a:t>10/24/2021</a:t>
+              <a:t>10/26/2021</a:t>
             </a:fld>
             <a:endParaRPr lang="en-US" dirty="0"/>
           </a:p>
@@ -1345,7 +1345,7 @@
           <a:p>
             <a:fld id="{C6F822A4-8DA6-4447-9B1F-C5DB58435268}" type="datetimeFigureOut">
               <a:rPr lang="en-US" dirty="0"/>
-              <a:t>10/24/2021</a:t>
+              <a:t>10/26/2021</a:t>
             </a:fld>
             <a:endParaRPr lang="en-US" dirty="0"/>
           </a:p>
@@ -1727,7 +1727,7 @@
           <a:p>
             <a:fld id="{E548D31E-DCDA-41A7-9C67-C4B11B94D21D}" type="datetimeFigureOut">
               <a:rPr lang="en-US" dirty="0"/>
-              <a:t>10/24/2021</a:t>
+              <a:t>10/26/2021</a:t>
             </a:fld>
             <a:endParaRPr lang="en-US" dirty="0"/>
           </a:p>
@@ -2156,7 +2156,7 @@
           <a:p>
             <a:fld id="{9B3762C0-B258-48F1-ADE6-176B4174CCDD}" type="datetimeFigureOut">
               <a:rPr lang="en-US" dirty="0"/>
-              <a:t>10/24/2021</a:t>
+              <a:t>10/26/2021</a:t>
             </a:fld>
             <a:endParaRPr lang="en-US" dirty="0"/>
           </a:p>
@@ -2269,7 +2269,7 @@
           <a:p>
             <a:fld id="{677919A6-33EB-49BD-A62F-1FA56B9F9712}" type="datetimeFigureOut">
               <a:rPr lang="en-US" dirty="0"/>
-              <a:t>10/24/2021</a:t>
+              <a:t>10/26/2021</a:t>
             </a:fld>
             <a:endParaRPr lang="en-US" dirty="0"/>
           </a:p>
@@ -2359,7 +2359,7 @@
           <a:p>
             <a:fld id="{CA4E7D1B-D673-4CF6-8672-009D42ABD2A0}" type="datetimeFigureOut">
               <a:rPr lang="en-US" dirty="0"/>
-              <a:t>10/24/2021</a:t>
+              <a:t>10/26/2021</a:t>
             </a:fld>
             <a:endParaRPr lang="en-US" dirty="0"/>
           </a:p>
@@ -2704,7 +2704,7 @@
           <a:p>
             <a:fld id="{DA16AA21-1863-4931-97CB-99D0A168701B}" type="datetimeFigureOut">
               <a:rPr lang="en-US" dirty="0"/>
-              <a:t>10/24/2021</a:t>
+              <a:t>10/26/2021</a:t>
             </a:fld>
             <a:endParaRPr lang="en-US" dirty="0"/>
           </a:p>
@@ -3124,7 +3124,7 @@
           <a:p>
             <a:fld id="{3772C379-9A7C-4C87-A116-CBE9F58B04C5}" type="datetimeFigureOut">
               <a:rPr lang="en-US" dirty="0"/>
-              <a:t>10/24/2021</a:t>
+              <a:t>10/26/2021</a:t>
             </a:fld>
             <a:endParaRPr lang="en-US" dirty="0"/>
           </a:p>
@@ -3400,7 +3400,7 @@
           <a:p>
             <a:fld id="{8664C608-40B1-4030-A28D-5B74BC98ADCE}" type="datetimeFigureOut">
               <a:rPr lang="en-US" dirty="0"/>
-              <a:t>10/24/2021</a:t>
+              <a:t>10/26/2021</a:t>
             </a:fld>
             <a:endParaRPr lang="en-US" dirty="0"/>
           </a:p>
@@ -3989,17 +3989,22 @@
             <p:ph type="ctrTitle"/>
           </p:nvPr>
         </p:nvSpPr>
-        <p:spPr/>
+        <p:spPr>
+          <a:xfrm>
+            <a:off x="1051560" y="834188"/>
+            <a:ext cx="9966960" cy="3994485"/>
+          </a:xfrm>
+        </p:spPr>
         <p:txBody>
           <a:bodyPr/>
           <a:lstStyle/>
           <a:p>
             <a:pPr algn="ctr"/>
             <a:r>
-              <a:rPr lang="en-US" dirty="0"/>
-              <a:t>Hypothesis question here</a:t>
-            </a:r>
-            <a:endParaRPr lang="en-GB" dirty="0"/>
+              <a:rPr lang="en-US" sz="8000" dirty="0"/>
+              <a:t>Research Question, Hypothesis and preliminary design</a:t>
+            </a:r>
+            <a:endParaRPr lang="en-GB" sz="8000" dirty="0"/>
           </a:p>
         </p:txBody>
       </p:sp>
@@ -4021,7 +4026,7 @@
         </p:nvSpPr>
         <p:spPr>
           <a:xfrm>
-            <a:off x="1896784" y="4434840"/>
+            <a:off x="1912826" y="4828673"/>
             <a:ext cx="7891272" cy="990937"/>
           </a:xfrm>
         </p:spPr>
@@ -4099,11 +4104,13 @@
         <p:spPr>
           <a:xfrm>
             <a:off x="1069848" y="484633"/>
-            <a:ext cx="10058400" cy="991242"/>
+            <a:ext cx="10058400" cy="782693"/>
           </a:xfrm>
         </p:spPr>
         <p:txBody>
-          <a:bodyPr/>
+          <a:bodyPr>
+            <a:normAutofit fontScale="90000"/>
+          </a:bodyPr>
           <a:lstStyle/>
           <a:p>
             <a:pPr algn="ctr"/>
@@ -4133,13 +4140,13 @@
         </p:nvSpPr>
         <p:spPr>
           <a:xfrm>
-            <a:off x="1069848" y="1475875"/>
-            <a:ext cx="10058400" cy="4696325"/>
+            <a:off x="641684" y="1267326"/>
+            <a:ext cx="11197390" cy="5309937"/>
           </a:xfrm>
         </p:spPr>
         <p:txBody>
           <a:bodyPr>
-            <a:normAutofit lnSpcReduction="10000"/>
+            <a:normAutofit fontScale="92500" lnSpcReduction="10000"/>
           </a:bodyPr>
           <a:lstStyle/>
           <a:p>
@@ -4174,26 +4181,46 @@
           </a:p>
           <a:p>
             <a:r>
-              <a:rPr lang="en-US" dirty="0"/>
-              <a:t>SCOPE of research </a:t>
-            </a:r>
-          </a:p>
-          <a:p>
-            <a:r>
-              <a:rPr lang="en-US" dirty="0"/>
-              <a:t>ASSUMPTIONS of research</a:t>
-            </a:r>
-          </a:p>
-          <a:p>
-            <a:r>
-              <a:rPr lang="en-US" dirty="0"/>
-              <a:t>LIMITATIONS of research</a:t>
-            </a:r>
-          </a:p>
-          <a:p>
-            <a:r>
-              <a:rPr lang="en-US" dirty="0"/>
-              <a:t>DELIMITATIONS of research </a:t>
+              <a:rPr lang="en-US" b="1" dirty="0"/>
+              <a:t>SCOPE:</a:t>
+            </a:r>
+            <a:r>
+              <a:rPr lang="en-US" dirty="0"/>
+              <a:t> Investigating difference in performance of regression techniques on fMRI and sMRI modalities preserved in a HDLSS dataset for automatic schizophrenia diagnosis.</a:t>
+            </a:r>
+          </a:p>
+          <a:p>
+            <a:r>
+              <a:rPr lang="en-US" b="1" dirty="0"/>
+              <a:t>ASSUMPTIONS:</a:t>
+            </a:r>
+            <a:r>
+              <a:rPr lang="en-US" dirty="0"/>
+              <a:t> Distance weight discrimination will outperform SVM because it doesn’t depend on feature selection.</a:t>
+            </a:r>
+          </a:p>
+          <a:p>
+            <a:r>
+              <a:rPr lang="en-US" b="1" dirty="0"/>
+              <a:t>LIMITATIONS:</a:t>
+            </a:r>
+            <a:r>
+              <a:rPr lang="en-US" dirty="0"/>
+              <a:t> The complexity of the dataset used or unknown knowledge gaps can be limiting factors.</a:t>
+            </a:r>
+          </a:p>
+          <a:p>
+            <a:r>
+              <a:rPr lang="en-US" b="1" dirty="0"/>
+              <a:t>DELIMITATIONS: </a:t>
+            </a:r>
+            <a:r>
+              <a:rPr lang="en-US" dirty="0"/>
+              <a:t>There are many different approaches to schizophrenia classification that are out of scope for regression techniques that proved to be effective such </a:t>
+            </a:r>
+            <a:r>
+              <a:rPr lang="en-US"/>
+              <a:t>as clustering.</a:t>
             </a:r>
             <a:endParaRPr lang="en-GB" dirty="0"/>
           </a:p>
@@ -4287,10 +4314,25 @@
           </a:p>
           <a:p>
             <a:r>
-              <a:rPr lang="en-US" dirty="0"/>
-              <a:t>RQ here</a:t>
-            </a:r>
-            <a:endParaRPr lang="en-GB" dirty="0"/>
+              <a:rPr lang="en-GB" dirty="0"/>
+              <a:t>What are the differences in classification accuracy between different implementations of regression </a:t>
+            </a:r>
+            <a:r>
+              <a:rPr lang="en-GB" dirty="0" err="1"/>
+              <a:t>techiniqes</a:t>
+            </a:r>
+            <a:r>
+              <a:rPr lang="en-GB" dirty="0"/>
+              <a:t> when classifying Schizophrenia using HDLSS data through </a:t>
+            </a:r>
+            <a:r>
+              <a:rPr lang="en-GB" dirty="0" err="1"/>
+              <a:t>sMRI</a:t>
+            </a:r>
+            <a:r>
+              <a:rPr lang="en-GB" dirty="0"/>
+              <a:t> and fMRI modalities?</a:t>
+            </a:r>
           </a:p>
         </p:txBody>
       </p:sp>
@@ -4348,11 +4390,7 @@
             <a:pPr algn="ctr"/>
             <a:r>
               <a:rPr lang="en-US" dirty="0"/>
-              <a:t>Hypothesis – place holder text </a:t>
-            </a:r>
-            <a:r>
-              <a:rPr lang="en-US" dirty="0" err="1"/>
-              <a:t>bleow</a:t>
+              <a:t>Hypothesis – place holder text below</a:t>
             </a:r>
             <a:endParaRPr lang="en-GB" dirty="0"/>
           </a:p>
@@ -4494,21 +4532,13 @@
           <a:p>
             <a:r>
               <a:rPr lang="en-US" dirty="0"/>
-              <a:t>Research and pick 5 HDLSS methods commonly used for two class </a:t>
-            </a:r>
-            <a:r>
-              <a:rPr lang="en-US"/>
-              <a:t>discrimination </a:t>
-            </a:r>
-          </a:p>
-          <a:p>
-            <a:r>
-              <a:rPr lang="en-US"/>
-              <a:t>Construct </a:t>
-            </a:r>
-            <a:r>
-              <a:rPr lang="en-US" dirty="0"/>
-              <a:t>baseline for each machine learning algorithm used with set configurations</a:t>
+              <a:t>Selected 5 HDLSS methods (SVM, Partial Least Square Regression, Distance Weighted Discrimination, LASSO Regression, Multivariate Regression) used for two class discrimination </a:t>
+            </a:r>
+          </a:p>
+          <a:p>
+            <a:r>
+              <a:rPr lang="en-US" dirty="0"/>
+              <a:t>Construct baseline for each machine learning algorithm used with set configurations</a:t>
             </a:r>
           </a:p>
           <a:p>
